--- a/src/TestDoubles/TestDoubleImages.pptx
+++ b/src/TestDoubles/TestDoubleImages.pptx
@@ -5,11 +5,12 @@
     <p:sldMasterId id="2147483648" r:id="rId1"/>
   </p:sldMasterIdLst>
   <p:notesMasterIdLst>
-    <p:notesMasterId r:id="rId4"/>
+    <p:notesMasterId r:id="rId5"/>
   </p:notesMasterIdLst>
   <p:sldIdLst>
     <p:sldId id="262" r:id="rId2"/>
     <p:sldId id="263" r:id="rId3"/>
+    <p:sldId id="264" r:id="rId4"/>
   </p:sldIdLst>
   <p:sldSz cx="12192000" cy="6858000"/>
   <p:notesSz cx="6858000" cy="9144000"/>
@@ -114,6 +115,10 @@
     </p:ext>
   </p:extLst>
 </p:presentation>
+</file>
+
+<file path=ppt/revisionInfo.xml><?xml version="1.0" encoding="utf-8"?>
+<p1510:revInfo xmlns:a="http://schemas.openxmlformats.org/drawingml/2006/main" xmlns:r="http://schemas.openxmlformats.org/officeDocument/2006/relationships" xmlns:p1510="http://schemas.microsoft.com/office/powerpoint/2015/10/main"/>
 </file>
 
 <file path=ppt/notesMasters/notesMaster1.xml><?xml version="1.0" encoding="utf-8"?>
@@ -624,6 +629,90 @@
     <p:extLst>
       <p:ext uri="{BB962C8B-B14F-4D97-AF65-F5344CB8AC3E}">
         <p14:creationId xmlns:p14="http://schemas.microsoft.com/office/powerpoint/2010/main" val="3742824471"/>
+      </p:ext>
+    </p:extLst>
+  </p:cSld>
+  <p:clrMapOvr>
+    <a:masterClrMapping/>
+  </p:clrMapOvr>
+</p:notes>
+</file>
+
+<file path=ppt/notesSlides/notesSlide3.xml><?xml version="1.0" encoding="utf-8"?>
+<p:notes xmlns:a="http://schemas.openxmlformats.org/drawingml/2006/main" xmlns:r="http://schemas.openxmlformats.org/officeDocument/2006/relationships" xmlns:p="http://schemas.openxmlformats.org/presentationml/2006/main">
+  <p:cSld>
+    <p:spTree>
+      <p:nvGrpSpPr>
+        <p:cNvPr id="1" name=""/>
+        <p:cNvGrpSpPr/>
+        <p:nvPr/>
+      </p:nvGrpSpPr>
+      <p:grpSpPr>
+        <a:xfrm>
+          <a:off x="0" y="0"/>
+          <a:ext cx="0" cy="0"/>
+          <a:chOff x="0" y="0"/>
+          <a:chExt cx="0" cy="0"/>
+        </a:xfrm>
+      </p:grpSpPr>
+      <p:sp>
+        <p:nvSpPr>
+          <p:cNvPr id="2" name="Slide Image Placeholder 1"/>
+          <p:cNvSpPr>
+            <a:spLocks noGrp="1" noRot="1" noChangeAspect="1"/>
+          </p:cNvSpPr>
+          <p:nvPr>
+            <p:ph type="sldImg"/>
+          </p:nvPr>
+        </p:nvSpPr>
+        <p:spPr/>
+      </p:sp>
+      <p:sp>
+        <p:nvSpPr>
+          <p:cNvPr id="3" name="Notes Placeholder 2"/>
+          <p:cNvSpPr>
+            <a:spLocks noGrp="1"/>
+          </p:cNvSpPr>
+          <p:nvPr>
+            <p:ph type="body" idx="1"/>
+          </p:nvPr>
+        </p:nvSpPr>
+        <p:spPr/>
+        <p:txBody>
+          <a:bodyPr/>
+          <a:lstStyle/>
+          <a:p>
+            <a:endParaRPr lang="en-US" dirty="0"/>
+          </a:p>
+        </p:txBody>
+      </p:sp>
+      <p:sp>
+        <p:nvSpPr>
+          <p:cNvPr id="4" name="Slide Number Placeholder 3"/>
+          <p:cNvSpPr>
+            <a:spLocks noGrp="1"/>
+          </p:cNvSpPr>
+          <p:nvPr>
+            <p:ph type="sldNum" sz="quarter" idx="10"/>
+          </p:nvPr>
+        </p:nvSpPr>
+        <p:spPr/>
+        <p:txBody>
+          <a:bodyPr/>
+          <a:lstStyle/>
+          <a:p>
+            <a:fld id="{43E926A6-F168-4354-970F-122FCF1B7246}" type="slidenum">
+              <a:rPr lang="en-US" smtClean="0"/>
+              <a:t>3</a:t>
+            </a:fld>
+            <a:endParaRPr lang="en-US"/>
+          </a:p>
+        </p:txBody>
+      </p:sp>
+    </p:spTree>
+    <p:extLst>
+      <p:ext uri="{BB962C8B-B14F-4D97-AF65-F5344CB8AC3E}">
+        <p14:creationId xmlns:p14="http://schemas.microsoft.com/office/powerpoint/2010/main" val="1985307573"/>
       </p:ext>
     </p:extLst>
   </p:cSld>
@@ -6155,6 +6244,789 @@
     <p:extLst>
       <p:ext uri="{BB962C8B-B14F-4D97-AF65-F5344CB8AC3E}">
         <p14:creationId xmlns:p14="http://schemas.microsoft.com/office/powerpoint/2010/main" val="2360404364"/>
+      </p:ext>
+    </p:extLst>
+  </p:cSld>
+  <p:clrMapOvr>
+    <a:masterClrMapping/>
+  </p:clrMapOvr>
+</p:sld>
+</file>
+
+<file path=ppt/slides/slide3.xml><?xml version="1.0" encoding="utf-8"?>
+<p:sld xmlns:a="http://schemas.openxmlformats.org/drawingml/2006/main" xmlns:r="http://schemas.openxmlformats.org/officeDocument/2006/relationships" xmlns:p="http://schemas.openxmlformats.org/presentationml/2006/main">
+  <p:cSld>
+    <p:spTree>
+      <p:nvGrpSpPr>
+        <p:cNvPr id="1" name=""/>
+        <p:cNvGrpSpPr/>
+        <p:nvPr/>
+      </p:nvGrpSpPr>
+      <p:grpSpPr>
+        <a:xfrm>
+          <a:off x="0" y="0"/>
+          <a:ext cx="0" cy="0"/>
+          <a:chOff x="0" y="0"/>
+          <a:chExt cx="0" cy="0"/>
+        </a:xfrm>
+      </p:grpSpPr>
+      <p:sp>
+        <p:nvSpPr>
+          <p:cNvPr id="3" name="Rounded Rectangle 2"/>
+          <p:cNvSpPr/>
+          <p:nvPr/>
+        </p:nvSpPr>
+        <p:spPr>
+          <a:xfrm>
+            <a:off x="6462944" y="1306285"/>
+            <a:ext cx="3195961" cy="2977243"/>
+          </a:xfrm>
+          <a:prstGeom prst="roundRect">
+            <a:avLst/>
+          </a:prstGeom>
+          <a:noFill/>
+          <a:ln w="9525" cap="flat" cmpd="sng" algn="ctr">
+            <a:solidFill>
+              <a:schemeClr val="dk1"/>
+            </a:solidFill>
+            <a:prstDash val="solid"/>
+            <a:round/>
+            <a:headEnd type="none" w="med" len="med"/>
+            <a:tailEnd type="none" w="med" len="med"/>
+          </a:ln>
+        </p:spPr>
+        <p:style>
+          <a:lnRef idx="0">
+            <a:scrgbClr r="0" g="0" b="0"/>
+          </a:lnRef>
+          <a:fillRef idx="0">
+            <a:scrgbClr r="0" g="0" b="0"/>
+          </a:fillRef>
+          <a:effectRef idx="0">
+            <a:scrgbClr r="0" g="0" b="0"/>
+          </a:effectRef>
+          <a:fontRef idx="minor">
+            <a:schemeClr val="dk1"/>
+          </a:fontRef>
+        </p:style>
+        <p:txBody>
+          <a:bodyPr rtlCol="0" anchor="ctr"/>
+          <a:lstStyle/>
+          <a:p>
+            <a:pPr algn="ctr"/>
+            <a:endParaRPr lang="en-US"/>
+          </a:p>
+        </p:txBody>
+      </p:sp>
+      <p:sp>
+        <p:nvSpPr>
+          <p:cNvPr id="5" name="Oval 4"/>
+          <p:cNvSpPr/>
+          <p:nvPr/>
+        </p:nvSpPr>
+        <p:spPr>
+          <a:xfrm>
+            <a:off x="6693159" y="2830286"/>
+            <a:ext cx="597159" cy="597159"/>
+          </a:xfrm>
+          <a:prstGeom prst="ellipse">
+            <a:avLst/>
+          </a:prstGeom>
+        </p:spPr>
+        <p:style>
+          <a:lnRef idx="0">
+            <a:schemeClr val="accent2"/>
+          </a:lnRef>
+          <a:fillRef idx="3">
+            <a:schemeClr val="accent2"/>
+          </a:fillRef>
+          <a:effectRef idx="3">
+            <a:schemeClr val="accent2"/>
+          </a:effectRef>
+          <a:fontRef idx="minor">
+            <a:schemeClr val="lt1"/>
+          </a:fontRef>
+        </p:style>
+        <p:txBody>
+          <a:bodyPr rtlCol="0" anchor="ctr"/>
+          <a:lstStyle/>
+          <a:p>
+            <a:pPr algn="ctr"/>
+            <a:r>
+              <a:rPr lang="en-US" sz="1600" dirty="0"/>
+              <a:t>R1</a:t>
+            </a:r>
+          </a:p>
+        </p:txBody>
+      </p:sp>
+      <p:sp>
+        <p:nvSpPr>
+          <p:cNvPr id="10" name="Oval 9"/>
+          <p:cNvSpPr/>
+          <p:nvPr/>
+        </p:nvSpPr>
+        <p:spPr>
+          <a:xfrm>
+            <a:off x="7759958" y="2267338"/>
+            <a:ext cx="597159" cy="597159"/>
+          </a:xfrm>
+          <a:prstGeom prst="ellipse">
+            <a:avLst/>
+          </a:prstGeom>
+        </p:spPr>
+        <p:style>
+          <a:lnRef idx="0">
+            <a:schemeClr val="accent2"/>
+          </a:lnRef>
+          <a:fillRef idx="3">
+            <a:schemeClr val="accent2"/>
+          </a:fillRef>
+          <a:effectRef idx="3">
+            <a:schemeClr val="accent2"/>
+          </a:effectRef>
+          <a:fontRef idx="minor">
+            <a:schemeClr val="lt1"/>
+          </a:fontRef>
+        </p:style>
+        <p:txBody>
+          <a:bodyPr rtlCol="0" anchor="ctr"/>
+          <a:lstStyle/>
+          <a:p>
+            <a:pPr algn="ctr"/>
+            <a:r>
+              <a:rPr lang="en-US" sz="1600" dirty="0"/>
+              <a:t>E1</a:t>
+            </a:r>
+          </a:p>
+        </p:txBody>
+      </p:sp>
+      <p:sp>
+        <p:nvSpPr>
+          <p:cNvPr id="11" name="Oval 10"/>
+          <p:cNvSpPr/>
+          <p:nvPr/>
+        </p:nvSpPr>
+        <p:spPr>
+          <a:xfrm>
+            <a:off x="8826757" y="1670179"/>
+            <a:ext cx="597159" cy="597159"/>
+          </a:xfrm>
+          <a:prstGeom prst="ellipse">
+            <a:avLst/>
+          </a:prstGeom>
+        </p:spPr>
+        <p:style>
+          <a:lnRef idx="0">
+            <a:schemeClr val="accent2"/>
+          </a:lnRef>
+          <a:fillRef idx="3">
+            <a:schemeClr val="accent2"/>
+          </a:fillRef>
+          <a:effectRef idx="3">
+            <a:schemeClr val="accent2"/>
+          </a:effectRef>
+          <a:fontRef idx="minor">
+            <a:schemeClr val="lt1"/>
+          </a:fontRef>
+        </p:style>
+        <p:txBody>
+          <a:bodyPr rtlCol="0" anchor="ctr"/>
+          <a:lstStyle/>
+          <a:p>
+            <a:pPr algn="ctr"/>
+            <a:r>
+              <a:rPr lang="en-US" sz="1600" dirty="0"/>
+              <a:t>C1</a:t>
+            </a:r>
+          </a:p>
+        </p:txBody>
+      </p:sp>
+      <p:sp>
+        <p:nvSpPr>
+          <p:cNvPr id="12" name="Oval 11"/>
+          <p:cNvSpPr/>
+          <p:nvPr/>
+        </p:nvSpPr>
+        <p:spPr>
+          <a:xfrm>
+            <a:off x="8826757" y="2861387"/>
+            <a:ext cx="597159" cy="597159"/>
+          </a:xfrm>
+          <a:prstGeom prst="ellipse">
+            <a:avLst/>
+          </a:prstGeom>
+        </p:spPr>
+        <p:style>
+          <a:lnRef idx="1">
+            <a:schemeClr val="accent3"/>
+          </a:lnRef>
+          <a:fillRef idx="2">
+            <a:schemeClr val="accent3"/>
+          </a:fillRef>
+          <a:effectRef idx="1">
+            <a:schemeClr val="accent3"/>
+          </a:effectRef>
+          <a:fontRef idx="minor">
+            <a:schemeClr val="dk1"/>
+          </a:fontRef>
+        </p:style>
+        <p:txBody>
+          <a:bodyPr rtlCol="0" anchor="ctr"/>
+          <a:lstStyle/>
+          <a:p>
+            <a:pPr algn="ctr"/>
+            <a:r>
+              <a:rPr lang="en-US" sz="1600" dirty="0"/>
+              <a:t>G1</a:t>
+            </a:r>
+          </a:p>
+        </p:txBody>
+      </p:sp>
+      <p:sp>
+        <p:nvSpPr>
+          <p:cNvPr id="16" name="Oval 15"/>
+          <p:cNvSpPr/>
+          <p:nvPr/>
+        </p:nvSpPr>
+        <p:spPr>
+          <a:xfrm>
+            <a:off x="7761509" y="3424335"/>
+            <a:ext cx="597159" cy="597159"/>
+          </a:xfrm>
+          <a:prstGeom prst="ellipse">
+            <a:avLst/>
+          </a:prstGeom>
+        </p:spPr>
+        <p:style>
+          <a:lnRef idx="0">
+            <a:schemeClr val="accent2"/>
+          </a:lnRef>
+          <a:fillRef idx="3">
+            <a:schemeClr val="accent2"/>
+          </a:fillRef>
+          <a:effectRef idx="3">
+            <a:schemeClr val="accent2"/>
+          </a:effectRef>
+          <a:fontRef idx="minor">
+            <a:schemeClr val="lt1"/>
+          </a:fontRef>
+        </p:style>
+        <p:txBody>
+          <a:bodyPr rtlCol="0" anchor="ctr"/>
+          <a:lstStyle/>
+          <a:p>
+            <a:pPr algn="ctr"/>
+            <a:r>
+              <a:rPr lang="en-US" sz="1600" dirty="0"/>
+              <a:t>E2</a:t>
+            </a:r>
+          </a:p>
+        </p:txBody>
+      </p:sp>
+      <p:cxnSp>
+        <p:nvCxnSpPr>
+          <p:cNvPr id="18" name="Straight Arrow Connector 17"/>
+          <p:cNvCxnSpPr/>
+          <p:nvPr/>
+        </p:nvCxnSpPr>
+        <p:spPr>
+          <a:xfrm flipV="1">
+            <a:off x="7346302" y="2727649"/>
+            <a:ext cx="357672" cy="205273"/>
+          </a:xfrm>
+          <a:prstGeom prst="straightConnector1">
+            <a:avLst/>
+          </a:prstGeom>
+          <a:ln>
+            <a:tailEnd type="triangle"/>
+          </a:ln>
+        </p:spPr>
+        <p:style>
+          <a:lnRef idx="1">
+            <a:schemeClr val="dk1"/>
+          </a:lnRef>
+          <a:fillRef idx="0">
+            <a:schemeClr val="dk1"/>
+          </a:fillRef>
+          <a:effectRef idx="0">
+            <a:schemeClr val="dk1"/>
+          </a:effectRef>
+          <a:fontRef idx="minor">
+            <a:schemeClr val="tx1"/>
+          </a:fontRef>
+        </p:style>
+      </p:cxnSp>
+      <p:cxnSp>
+        <p:nvCxnSpPr>
+          <p:cNvPr id="20" name="Straight Arrow Connector 19"/>
+          <p:cNvCxnSpPr/>
+          <p:nvPr/>
+        </p:nvCxnSpPr>
+        <p:spPr>
+          <a:xfrm flipV="1">
+            <a:off x="8413101" y="2164701"/>
+            <a:ext cx="357672" cy="205273"/>
+          </a:xfrm>
+          <a:prstGeom prst="straightConnector1">
+            <a:avLst/>
+          </a:prstGeom>
+          <a:ln>
+            <a:tailEnd type="triangle"/>
+          </a:ln>
+        </p:spPr>
+        <p:style>
+          <a:lnRef idx="1">
+            <a:schemeClr val="dk1"/>
+          </a:lnRef>
+          <a:fillRef idx="0">
+            <a:schemeClr val="dk1"/>
+          </a:fillRef>
+          <a:effectRef idx="0">
+            <a:schemeClr val="dk1"/>
+          </a:effectRef>
+          <a:fontRef idx="minor">
+            <a:schemeClr val="tx1"/>
+          </a:fontRef>
+        </p:style>
+      </p:cxnSp>
+      <p:cxnSp>
+        <p:nvCxnSpPr>
+          <p:cNvPr id="22" name="Straight Arrow Connector 21"/>
+          <p:cNvCxnSpPr/>
+          <p:nvPr/>
+        </p:nvCxnSpPr>
+        <p:spPr>
+          <a:xfrm>
+            <a:off x="7353315" y="3293702"/>
+            <a:ext cx="374766" cy="241820"/>
+          </a:xfrm>
+          <a:prstGeom prst="straightConnector1">
+            <a:avLst/>
+          </a:prstGeom>
+          <a:ln>
+            <a:tailEnd type="triangle"/>
+          </a:ln>
+        </p:spPr>
+        <p:style>
+          <a:lnRef idx="1">
+            <a:schemeClr val="dk1"/>
+          </a:lnRef>
+          <a:fillRef idx="0">
+            <a:schemeClr val="dk1"/>
+          </a:fillRef>
+          <a:effectRef idx="0">
+            <a:schemeClr val="dk1"/>
+          </a:effectRef>
+          <a:fontRef idx="minor">
+            <a:schemeClr val="tx1"/>
+          </a:fontRef>
+        </p:style>
+      </p:cxnSp>
+      <p:cxnSp>
+        <p:nvCxnSpPr>
+          <p:cNvPr id="23" name="Straight Arrow Connector 22"/>
+          <p:cNvCxnSpPr/>
+          <p:nvPr/>
+        </p:nvCxnSpPr>
+        <p:spPr>
+          <a:xfrm>
+            <a:off x="8440323" y="2702765"/>
+            <a:ext cx="374766" cy="241820"/>
+          </a:xfrm>
+          <a:prstGeom prst="straightConnector1">
+            <a:avLst/>
+          </a:prstGeom>
+          <a:ln>
+            <a:tailEnd type="triangle"/>
+          </a:ln>
+        </p:spPr>
+        <p:style>
+          <a:lnRef idx="1">
+            <a:schemeClr val="dk1"/>
+          </a:lnRef>
+          <a:fillRef idx="0">
+            <a:schemeClr val="dk1"/>
+          </a:fillRef>
+          <a:effectRef idx="0">
+            <a:schemeClr val="dk1"/>
+          </a:effectRef>
+          <a:fontRef idx="minor">
+            <a:schemeClr val="tx1"/>
+          </a:fontRef>
+        </p:style>
+      </p:cxnSp>
+      <p:cxnSp>
+        <p:nvCxnSpPr>
+          <p:cNvPr id="37" name="Straight Arrow Connector 36"/>
+          <p:cNvCxnSpPr/>
+          <p:nvPr/>
+        </p:nvCxnSpPr>
+        <p:spPr>
+          <a:xfrm>
+            <a:off x="5269862" y="3127308"/>
+            <a:ext cx="1322222" cy="0"/>
+          </a:xfrm>
+          <a:prstGeom prst="straightConnector1">
+            <a:avLst/>
+          </a:prstGeom>
+          <a:ln>
+            <a:tailEnd type="triangle"/>
+          </a:ln>
+        </p:spPr>
+        <p:style>
+          <a:lnRef idx="1">
+            <a:schemeClr val="dk1"/>
+          </a:lnRef>
+          <a:fillRef idx="0">
+            <a:schemeClr val="dk1"/>
+          </a:fillRef>
+          <a:effectRef idx="0">
+            <a:schemeClr val="dk1"/>
+          </a:effectRef>
+          <a:fontRef idx="minor">
+            <a:schemeClr val="tx1"/>
+          </a:fontRef>
+        </p:style>
+      </p:cxnSp>
+      <p:sp>
+        <p:nvSpPr>
+          <p:cNvPr id="30" name="Rectangle 29">
+            <a:extLst>
+              <a:ext uri="{FF2B5EF4-FFF2-40B4-BE49-F238E27FC236}">
+                <a16:creationId xmlns:a16="http://schemas.microsoft.com/office/drawing/2014/main" id="{8402E4A1-A7AA-4A68-8E88-D63CE9347D50}"/>
+              </a:ext>
+            </a:extLst>
+          </p:cNvPr>
+          <p:cNvSpPr/>
+          <p:nvPr/>
+        </p:nvSpPr>
+        <p:spPr>
+          <a:xfrm>
+            <a:off x="4545332" y="1841244"/>
+            <a:ext cx="528732" cy="528730"/>
+          </a:xfrm>
+          <a:prstGeom prst="rect">
+            <a:avLst/>
+          </a:prstGeom>
+          <a:gradFill flip="none" rotWithShape="1">
+            <a:gsLst>
+              <a:gs pos="0">
+                <a:schemeClr val="accent6">
+                  <a:lumMod val="67000"/>
+                </a:schemeClr>
+              </a:gs>
+              <a:gs pos="48000">
+                <a:schemeClr val="accent6">
+                  <a:lumMod val="97000"/>
+                  <a:lumOff val="3000"/>
+                </a:schemeClr>
+              </a:gs>
+              <a:gs pos="100000">
+                <a:schemeClr val="accent6">
+                  <a:lumMod val="60000"/>
+                  <a:lumOff val="40000"/>
+                </a:schemeClr>
+              </a:gs>
+            </a:gsLst>
+            <a:lin ang="16200000" scaled="1"/>
+            <a:tileRect/>
+          </a:gradFill>
+          <a:ln>
+            <a:noFill/>
+          </a:ln>
+        </p:spPr>
+        <p:style>
+          <a:lnRef idx="0">
+            <a:scrgbClr r="0" g="0" b="0"/>
+          </a:lnRef>
+          <a:fillRef idx="0">
+            <a:scrgbClr r="0" g="0" b="0"/>
+          </a:fillRef>
+          <a:effectRef idx="0">
+            <a:scrgbClr r="0" g="0" b="0"/>
+          </a:effectRef>
+          <a:fontRef idx="minor">
+            <a:schemeClr val="lt1"/>
+          </a:fontRef>
+        </p:style>
+        <p:txBody>
+          <a:bodyPr rtlCol="0" anchor="ctr"/>
+          <a:lstStyle/>
+          <a:p>
+            <a:pPr algn="ctr"/>
+            <a:r>
+              <a:rPr lang="en-US" dirty="0"/>
+              <a:t>T</a:t>
+            </a:r>
+          </a:p>
+        </p:txBody>
+      </p:sp>
+      <p:sp>
+        <p:nvSpPr>
+          <p:cNvPr id="31" name="Rectangle 30">
+            <a:extLst>
+              <a:ext uri="{FF2B5EF4-FFF2-40B4-BE49-F238E27FC236}">
+                <a16:creationId xmlns:a16="http://schemas.microsoft.com/office/drawing/2014/main" id="{7F696B2A-305B-4594-80E3-982C826CAF23}"/>
+              </a:ext>
+            </a:extLst>
+          </p:cNvPr>
+          <p:cNvSpPr/>
+          <p:nvPr/>
+        </p:nvSpPr>
+        <p:spPr>
+          <a:xfrm>
+            <a:off x="4542705" y="2500218"/>
+            <a:ext cx="528732" cy="528730"/>
+          </a:xfrm>
+          <a:prstGeom prst="rect">
+            <a:avLst/>
+          </a:prstGeom>
+          <a:gradFill flip="none" rotWithShape="1">
+            <a:gsLst>
+              <a:gs pos="0">
+                <a:schemeClr val="accent6">
+                  <a:lumMod val="67000"/>
+                </a:schemeClr>
+              </a:gs>
+              <a:gs pos="48000">
+                <a:schemeClr val="accent6">
+                  <a:lumMod val="97000"/>
+                  <a:lumOff val="3000"/>
+                </a:schemeClr>
+              </a:gs>
+              <a:gs pos="100000">
+                <a:schemeClr val="accent6">
+                  <a:lumMod val="60000"/>
+                  <a:lumOff val="40000"/>
+                </a:schemeClr>
+              </a:gs>
+            </a:gsLst>
+            <a:lin ang="16200000" scaled="1"/>
+            <a:tileRect/>
+          </a:gradFill>
+          <a:ln>
+            <a:noFill/>
+          </a:ln>
+        </p:spPr>
+        <p:style>
+          <a:lnRef idx="0">
+            <a:scrgbClr r="0" g="0" b="0"/>
+          </a:lnRef>
+          <a:fillRef idx="0">
+            <a:scrgbClr r="0" g="0" b="0"/>
+          </a:fillRef>
+          <a:effectRef idx="0">
+            <a:scrgbClr r="0" g="0" b="0"/>
+          </a:effectRef>
+          <a:fontRef idx="minor">
+            <a:schemeClr val="lt1"/>
+          </a:fontRef>
+        </p:style>
+        <p:txBody>
+          <a:bodyPr rtlCol="0" anchor="ctr"/>
+          <a:lstStyle/>
+          <a:p>
+            <a:pPr algn="ctr"/>
+            <a:r>
+              <a:rPr lang="en-US" dirty="0"/>
+              <a:t>T</a:t>
+            </a:r>
+          </a:p>
+        </p:txBody>
+      </p:sp>
+      <p:sp>
+        <p:nvSpPr>
+          <p:cNvPr id="32" name="Rectangle 31">
+            <a:extLst>
+              <a:ext uri="{FF2B5EF4-FFF2-40B4-BE49-F238E27FC236}">
+                <a16:creationId xmlns:a16="http://schemas.microsoft.com/office/drawing/2014/main" id="{68993F75-F7FC-4270-AFB3-10E6D2163F0A}"/>
+              </a:ext>
+            </a:extLst>
+          </p:cNvPr>
+          <p:cNvSpPr/>
+          <p:nvPr/>
+        </p:nvSpPr>
+        <p:spPr>
+          <a:xfrm>
+            <a:off x="4542705" y="3159192"/>
+            <a:ext cx="528732" cy="528730"/>
+          </a:xfrm>
+          <a:prstGeom prst="rect">
+            <a:avLst/>
+          </a:prstGeom>
+          <a:gradFill flip="none" rotWithShape="1">
+            <a:gsLst>
+              <a:gs pos="0">
+                <a:schemeClr val="accent6">
+                  <a:lumMod val="67000"/>
+                </a:schemeClr>
+              </a:gs>
+              <a:gs pos="48000">
+                <a:schemeClr val="accent6">
+                  <a:lumMod val="97000"/>
+                  <a:lumOff val="3000"/>
+                </a:schemeClr>
+              </a:gs>
+              <a:gs pos="100000">
+                <a:schemeClr val="accent6">
+                  <a:lumMod val="60000"/>
+                  <a:lumOff val="40000"/>
+                </a:schemeClr>
+              </a:gs>
+            </a:gsLst>
+            <a:lin ang="16200000" scaled="1"/>
+            <a:tileRect/>
+          </a:gradFill>
+          <a:ln>
+            <a:noFill/>
+          </a:ln>
+        </p:spPr>
+        <p:style>
+          <a:lnRef idx="0">
+            <a:scrgbClr r="0" g="0" b="0"/>
+          </a:lnRef>
+          <a:fillRef idx="0">
+            <a:scrgbClr r="0" g="0" b="0"/>
+          </a:fillRef>
+          <a:effectRef idx="0">
+            <a:scrgbClr r="0" g="0" b="0"/>
+          </a:effectRef>
+          <a:fontRef idx="minor">
+            <a:schemeClr val="lt1"/>
+          </a:fontRef>
+        </p:style>
+        <p:txBody>
+          <a:bodyPr rtlCol="0" anchor="ctr"/>
+          <a:lstStyle/>
+          <a:p>
+            <a:pPr algn="ctr"/>
+            <a:r>
+              <a:rPr lang="en-US" dirty="0"/>
+              <a:t>T</a:t>
+            </a:r>
+          </a:p>
+        </p:txBody>
+      </p:sp>
+      <p:sp>
+        <p:nvSpPr>
+          <p:cNvPr id="34" name="Rectangle 33">
+            <a:extLst>
+              <a:ext uri="{FF2B5EF4-FFF2-40B4-BE49-F238E27FC236}">
+                <a16:creationId xmlns:a16="http://schemas.microsoft.com/office/drawing/2014/main" id="{7BAAE9AA-7838-4D63-8EDF-11B264DA7739}"/>
+              </a:ext>
+            </a:extLst>
+          </p:cNvPr>
+          <p:cNvSpPr/>
+          <p:nvPr/>
+        </p:nvSpPr>
+        <p:spPr>
+          <a:xfrm>
+            <a:off x="4542705" y="3815054"/>
+            <a:ext cx="528732" cy="528730"/>
+          </a:xfrm>
+          <a:prstGeom prst="rect">
+            <a:avLst/>
+          </a:prstGeom>
+          <a:gradFill flip="none" rotWithShape="1">
+            <a:gsLst>
+              <a:gs pos="0">
+                <a:schemeClr val="accent6">
+                  <a:lumMod val="67000"/>
+                </a:schemeClr>
+              </a:gs>
+              <a:gs pos="48000">
+                <a:schemeClr val="accent6">
+                  <a:lumMod val="97000"/>
+                  <a:lumOff val="3000"/>
+                </a:schemeClr>
+              </a:gs>
+              <a:gs pos="100000">
+                <a:schemeClr val="accent6">
+                  <a:lumMod val="60000"/>
+                  <a:lumOff val="40000"/>
+                </a:schemeClr>
+              </a:gs>
+            </a:gsLst>
+            <a:lin ang="16200000" scaled="1"/>
+            <a:tileRect/>
+          </a:gradFill>
+          <a:ln>
+            <a:noFill/>
+          </a:ln>
+        </p:spPr>
+        <p:style>
+          <a:lnRef idx="0">
+            <a:scrgbClr r="0" g="0" b="0"/>
+          </a:lnRef>
+          <a:fillRef idx="0">
+            <a:scrgbClr r="0" g="0" b="0"/>
+          </a:fillRef>
+          <a:effectRef idx="0">
+            <a:scrgbClr r="0" g="0" b="0"/>
+          </a:effectRef>
+          <a:fontRef idx="minor">
+            <a:schemeClr val="lt1"/>
+          </a:fontRef>
+        </p:style>
+        <p:txBody>
+          <a:bodyPr rtlCol="0" anchor="ctr"/>
+          <a:lstStyle/>
+          <a:p>
+            <a:pPr algn="ctr"/>
+            <a:r>
+              <a:rPr lang="en-US" dirty="0"/>
+              <a:t>T</a:t>
+            </a:r>
+          </a:p>
+        </p:txBody>
+      </p:sp>
+      <p:cxnSp>
+        <p:nvCxnSpPr>
+          <p:cNvPr id="40" name="Straight Arrow Connector 39">
+            <a:extLst>
+              <a:ext uri="{FF2B5EF4-FFF2-40B4-BE49-F238E27FC236}">
+                <a16:creationId xmlns:a16="http://schemas.microsoft.com/office/drawing/2014/main" id="{2668214A-1354-40BE-A2F7-14C36BDC889D}"/>
+              </a:ext>
+            </a:extLst>
+          </p:cNvPr>
+          <p:cNvCxnSpPr>
+            <a:cxnSpLocks/>
+          </p:cNvCxnSpPr>
+          <p:nvPr/>
+        </p:nvCxnSpPr>
+        <p:spPr>
+          <a:xfrm flipV="1">
+            <a:off x="5241282" y="3535522"/>
+            <a:ext cx="3884054" cy="648225"/>
+          </a:xfrm>
+          <a:prstGeom prst="bentConnector3">
+            <a:avLst>
+              <a:gd name="adj1" fmla="val 99938"/>
+            </a:avLst>
+          </a:prstGeom>
+          <a:ln w="25400">
+            <a:tailEnd type="triangle"/>
+          </a:ln>
+        </p:spPr>
+        <p:style>
+          <a:lnRef idx="1">
+            <a:schemeClr val="dk1"/>
+          </a:lnRef>
+          <a:fillRef idx="0">
+            <a:schemeClr val="dk1"/>
+          </a:fillRef>
+          <a:effectRef idx="0">
+            <a:schemeClr val="dk1"/>
+          </a:effectRef>
+          <a:fontRef idx="minor">
+            <a:schemeClr val="tx1"/>
+          </a:fontRef>
+        </p:style>
+      </p:cxnSp>
+    </p:spTree>
+    <p:extLst>
+      <p:ext uri="{BB962C8B-B14F-4D97-AF65-F5344CB8AC3E}">
+        <p14:creationId xmlns:p14="http://schemas.microsoft.com/office/powerpoint/2010/main" val="740607288"/>
       </p:ext>
     </p:extLst>
   </p:cSld>
